--- a/Slides/Introduction.pptx
+++ b/Slides/Introduction.pptx
@@ -274,7 +274,7 @@
               <a:pPr>
                 <a:defRPr/>
               </a:pPr>
-              <a:t>7/20/2016</a:t>
+              <a:t>7/23/2016</a:t>
             </a:fld>
             <a:endParaRPr lang="en-US"/>
           </a:p>
@@ -796,7 +796,7 @@
               <a:pPr>
                 <a:defRPr/>
               </a:pPr>
-              <a:t>7/20/2016</a:t>
+              <a:t>7/23/2016</a:t>
             </a:fld>
             <a:endParaRPr lang="en-US"/>
           </a:p>
@@ -934,7 +934,7 @@
               <a:pPr>
                 <a:defRPr/>
               </a:pPr>
-              <a:t>7/20/2016</a:t>
+              <a:t>7/23/2016</a:t>
             </a:fld>
             <a:endParaRPr lang="en-US"/>
           </a:p>
@@ -1141,7 +1141,7 @@
               <a:pPr>
                 <a:defRPr/>
               </a:pPr>
-              <a:t>7/20/2016</a:t>
+              <a:t>7/23/2016</a:t>
             </a:fld>
             <a:endParaRPr lang="en-US"/>
           </a:p>
@@ -1338,7 +1338,7 @@
               <a:pPr>
                 <a:defRPr/>
               </a:pPr>
-              <a:t>7/20/2016</a:t>
+              <a:t>7/23/2016</a:t>
             </a:fld>
             <a:endParaRPr lang="en-US"/>
           </a:p>
@@ -1611,7 +1611,7 @@
               <a:pPr>
                 <a:defRPr/>
               </a:pPr>
-              <a:t>7/20/2016</a:t>
+              <a:t>7/23/2016</a:t>
             </a:fld>
             <a:endParaRPr lang="en-US"/>
           </a:p>
@@ -1926,7 +1926,7 @@
               <a:pPr>
                 <a:defRPr/>
               </a:pPr>
-              <a:t>7/20/2016</a:t>
+              <a:t>7/23/2016</a:t>
             </a:fld>
             <a:endParaRPr lang="en-US"/>
           </a:p>
@@ -2375,7 +2375,7 @@
               <a:pPr>
                 <a:defRPr/>
               </a:pPr>
-              <a:t>7/20/2016</a:t>
+              <a:t>7/23/2016</a:t>
             </a:fld>
             <a:endParaRPr lang="en-US"/>
           </a:p>
@@ -2520,7 +2520,7 @@
               <a:pPr>
                 <a:defRPr/>
               </a:pPr>
-              <a:t>7/20/2016</a:t>
+              <a:t>7/23/2016</a:t>
             </a:fld>
             <a:endParaRPr lang="en-US"/>
           </a:p>
@@ -2642,7 +2642,7 @@
               <a:pPr>
                 <a:defRPr/>
               </a:pPr>
-              <a:t>7/20/2016</a:t>
+              <a:t>7/23/2016</a:t>
             </a:fld>
             <a:endParaRPr lang="en-US"/>
           </a:p>
@@ -2946,7 +2946,7 @@
               <a:pPr>
                 <a:defRPr/>
               </a:pPr>
-              <a:t>7/20/2016</a:t>
+              <a:t>7/23/2016</a:t>
             </a:fld>
             <a:endParaRPr lang="en-US"/>
           </a:p>
@@ -3229,7 +3229,7 @@
               <a:pPr>
                 <a:defRPr/>
               </a:pPr>
-              <a:t>7/20/2016</a:t>
+              <a:t>7/23/2016</a:t>
             </a:fld>
             <a:endParaRPr lang="en-US"/>
           </a:p>
@@ -3548,7 +3548,7 @@
               <a:pPr>
                 <a:defRPr/>
               </a:pPr>
-              <a:t>7/20/2016</a:t>
+              <a:t>7/23/2016</a:t>
             </a:fld>
             <a:endParaRPr lang="en-US"/>
           </a:p>
@@ -4118,31 +4118,7 @@
                   </a:outerShdw>
                 </a:effectLst>
               </a:rPr>
-              <a:t>Introduction to </a:t>
-            </a:r>
-            <a:r>
-              <a:rPr lang="en-US" sz="5200" b="1" dirty="0" smtClean="0">
-                <a:effectLst>
-                  <a:outerShdw blurRad="50800" dist="38100" dir="2700000" algn="tl" rotWithShape="0">
-                    <a:prstClr val="black">
-                      <a:alpha val="40000"/>
-                    </a:prstClr>
-                  </a:outerShdw>
-                </a:effectLst>
-              </a:rPr>
-              <a:t>R (and Statistics) </a:t>
-            </a:r>
-            <a:r>
-              <a:rPr lang="en-US" sz="5200" b="1" dirty="0" smtClean="0">
-                <a:effectLst>
-                  <a:outerShdw blurRad="50800" dist="38100" dir="2700000" algn="tl" rotWithShape="0">
-                    <a:prstClr val="black">
-                      <a:alpha val="40000"/>
-                    </a:prstClr>
-                  </a:outerShdw>
-                </a:effectLst>
-              </a:rPr>
-              <a:t>Using Fisheries Examples</a:t>
+              <a:t>Introduction to R (and Statistics) Using Fisheries Examples</a:t>
             </a:r>
             <a:endParaRPr lang="en-US" sz="5200" b="1" dirty="0">
               <a:effectLst>
@@ -4447,13 +4423,6 @@
               </a:rPr>
               <a:t>Iqaluit, Nunavut, Canada</a:t>
             </a:r>
-            <a:endParaRPr lang="en-US" sz="3000" b="1" dirty="0" smtClean="0">
-              <a:solidFill>
-                <a:schemeClr val="accent6">
-                  <a:lumMod val="75000"/>
-                </a:schemeClr>
-              </a:solidFill>
-            </a:endParaRPr>
           </a:p>
           <a:p>
             <a:pPr fontAlgn="auto">
@@ -5376,11 +5345,7 @@
           <a:p>
             <a:r>
               <a:rPr lang="en-US" dirty="0" smtClean="0"/>
-              <a:t>Tentative Workshop </a:t>
-            </a:r>
-            <a:r>
-              <a:rPr lang="en-US" dirty="0" smtClean="0"/>
-              <a:t>Agenda</a:t>
+              <a:t>Tentative Workshop Agenda</a:t>
             </a:r>
             <a:endParaRPr lang="en-US" dirty="0"/>
           </a:p>
@@ -5537,11 +5502,7 @@
             <a:pPr eaLnBrk="1" hangingPunct="1"/>
             <a:r>
               <a:rPr lang="en-US" dirty="0" smtClean="0"/>
-              <a:t>Professor </a:t>
-            </a:r>
-            <a:r>
-              <a:rPr lang="en-US" dirty="0" smtClean="0"/>
-              <a:t>of Mathematical Sciences and Natural Resources at Northland College</a:t>
+              <a:t>Professor of Mathematical Sciences and Natural Resources at Northland College</a:t>
             </a:r>
           </a:p>
           <a:p>
@@ -5552,15 +5513,7 @@
             <a:pPr eaLnBrk="1" hangingPunct="1"/>
             <a:r>
               <a:rPr lang="en-US" dirty="0" smtClean="0"/>
-              <a:t>Ph.D</a:t>
-            </a:r>
-            <a:r>
-              <a:rPr lang="en-US" dirty="0" smtClean="0"/>
-              <a:t>. in Fisheries with minor in Statistics from University of </a:t>
-            </a:r>
-            <a:r>
-              <a:rPr lang="en-US" dirty="0" smtClean="0"/>
-              <a:t>Minnesota</a:t>
+              <a:t>Ph.D. in Fisheries with minor in Statistics from University of Minnesota</a:t>
             </a:r>
           </a:p>
         </p:txBody>
@@ -6741,27 +6694,7 @@
             <a:pPr lvl="1" eaLnBrk="1" hangingPunct="1"/>
             <a:r>
               <a:rPr lang="en-US" dirty="0" smtClean="0"/>
-              <a:t>Focus </a:t>
-            </a:r>
-            <a:r>
-              <a:rPr lang="en-US" dirty="0" smtClean="0"/>
-              <a:t>on R </a:t>
-            </a:r>
-            <a:r>
-              <a:rPr lang="en-US" dirty="0" smtClean="0"/>
-              <a:t>(some </a:t>
-            </a:r>
-            <a:r>
-              <a:rPr lang="en-US" dirty="0" smtClean="0"/>
-              <a:t>statistics </a:t>
-            </a:r>
-            <a:r>
-              <a:rPr lang="en-US" dirty="0" smtClean="0"/>
-              <a:t>and </a:t>
-            </a:r>
-            <a:r>
-              <a:rPr lang="en-US" dirty="0" smtClean="0"/>
-              <a:t>fisheries science)</a:t>
+              <a:t>Focus on R (some statistics and fisheries science)</a:t>
             </a:r>
           </a:p>
           <a:p>
@@ -8120,7 +8053,6 @@
               <a:rPr lang="en-US" b="1" dirty="0" smtClean="0"/>
               <a:t>R Environment</a:t>
             </a:r>
-            <a:endParaRPr lang="en-US" b="1" dirty="0" smtClean="0"/>
           </a:p>
         </p:txBody>
       </p:sp>
@@ -8334,11 +8266,7 @@
             </a:r>
             <a:r>
               <a:rPr lang="en-US" i="1" dirty="0" smtClean="0"/>
-              <a:t>20Jul16</a:t>
-            </a:r>
-            <a:r>
-              <a:rPr lang="en-US" i="1" dirty="0" smtClean="0"/>
-              <a:t>)</a:t>
+              <a:t>20Jul16)</a:t>
             </a:r>
             <a:endParaRPr lang="en-US" i="1" dirty="0"/>
           </a:p>
@@ -8763,7 +8691,6 @@
               <a:rPr lang="en-US" b="1" dirty="0" smtClean="0"/>
               <a:t>R Workflow</a:t>
             </a:r>
-            <a:endParaRPr lang="en-US" b="1" dirty="0" smtClean="0"/>
           </a:p>
         </p:txBody>
       </p:sp>
@@ -9325,8 +9252,8 @@
         </p:nvSpPr>
         <p:spPr bwMode="auto">
           <a:xfrm>
-            <a:off x="4992037" y="5227770"/>
-            <a:ext cx="2438400" cy="1231900"/>
+            <a:off x="4992036" y="5227769"/>
+            <a:ext cx="4026603" cy="1357179"/>
           </a:xfrm>
           <a:prstGeom prst="rect">
             <a:avLst/>
@@ -9360,7 +9287,7 @@
                   <a:schemeClr val="accent5"/>
                 </a:solidFill>
               </a:rPr>
-              <a:t>Reproducibility</a:t>
+              <a:t>Reproducible Report Writing</a:t>
             </a:r>
             <a:endParaRPr lang="en-US" sz="2000" b="1" u="sng" dirty="0">
               <a:solidFill>
@@ -9390,13 +9317,16 @@
               <a:rPr lang="en-US" dirty="0" err="1" smtClean="0"/>
               <a:t>LaTeX</a:t>
             </a:r>
-            <a:endParaRPr lang="en-US" dirty="0" smtClean="0"/>
-          </a:p>
-          <a:p>
-            <a:pPr algn="ctr">
-              <a:defRPr/>
-            </a:pPr>
-            <a:endParaRPr lang="en-US" sz="1100" dirty="0"/>
+            <a:r>
+              <a:rPr lang="en-US" dirty="0" smtClean="0"/>
+              <a:t> </a:t>
+            </a:r>
+            <a:r>
+              <a:rPr lang="en-US" dirty="0" smtClean="0">
+                <a:sym typeface="Wingdings" panose="05000000000000000000" pitchFamily="2" charset="2"/>
+              </a:rPr>
+              <a:t> </a:t>
+            </a:r>
           </a:p>
           <a:p>
             <a:pPr algn="ctr">
@@ -9413,6 +9343,27 @@
             <a:r>
               <a:rPr lang="en-US" dirty="0" err="1" smtClean="0"/>
               <a:t>Sweave</a:t>
+            </a:r>
+            <a:r>
+              <a:rPr lang="en-US" dirty="0" smtClean="0"/>
+              <a:t> </a:t>
+            </a:r>
+            <a:r>
+              <a:rPr lang="en-US" dirty="0" smtClean="0">
+                <a:sym typeface="Wingdings" panose="05000000000000000000" pitchFamily="2" charset="2"/>
+              </a:rPr>
+              <a:t> </a:t>
+            </a:r>
+          </a:p>
+          <a:p>
+            <a:pPr algn="ctr">
+              <a:defRPr/>
+            </a:pPr>
+            <a:r>
+              <a:rPr lang="en-US" dirty="0" smtClean="0">
+                <a:sym typeface="Wingdings" panose="05000000000000000000" pitchFamily="2" charset="2"/>
+              </a:rPr>
+              <a:t>PDF, HTML, Word</a:t>
             </a:r>
             <a:endParaRPr lang="en-US" dirty="0"/>
           </a:p>
@@ -9532,11 +9483,7 @@
               </a:r>
               <a:r>
                 <a:rPr lang="en-US" i="1" dirty="0" smtClean="0"/>
-                <a:t>20Jul16</a:t>
-              </a:r>
-              <a:r>
-                <a:rPr lang="en-US" i="1" dirty="0" smtClean="0"/>
-                <a:t>)</a:t>
+                <a:t>20Jul16)</a:t>
               </a:r>
               <a:endParaRPr lang="en-US" i="1" dirty="0"/>
             </a:p>
@@ -9748,85 +9695,14 @@
       </p:grpSp>
       <p:sp>
         <p:nvSpPr>
-          <p:cNvPr id="24" name="Rectangle 23"/>
-          <p:cNvSpPr>
-            <a:spLocks noChangeArrowheads="1"/>
-          </p:cNvSpPr>
-          <p:nvPr/>
-        </p:nvSpPr>
-        <p:spPr bwMode="auto">
-          <a:xfrm>
-            <a:off x="6580240" y="4174305"/>
-            <a:ext cx="2438400" cy="811160"/>
-          </a:xfrm>
-          <a:prstGeom prst="rect">
-            <a:avLst/>
-          </a:prstGeom>
-          <a:solidFill>
-            <a:schemeClr val="accent2">
-              <a:lumMod val="40000"/>
-              <a:lumOff val="60000"/>
-            </a:schemeClr>
-          </a:solidFill>
-          <a:ln w="9525">
-            <a:solidFill>
-              <a:schemeClr val="tx1"/>
-            </a:solidFill>
-            <a:miter lim="800000"/>
-            <a:headEnd/>
-            <a:tailEnd/>
-          </a:ln>
-          <a:effectLst/>
-        </p:spPr>
-        <p:txBody>
-          <a:bodyPr/>
-          <a:lstStyle/>
-          <a:p>
-            <a:pPr algn="ctr">
-              <a:defRPr/>
-            </a:pPr>
-            <a:r>
-              <a:rPr lang="en-US" sz="2000" b="1" u="sng" dirty="0" smtClean="0">
-                <a:solidFill>
-                  <a:schemeClr val="accent5"/>
-                </a:solidFill>
-              </a:rPr>
-              <a:t>Report Results</a:t>
-            </a:r>
-            <a:endParaRPr lang="en-US" sz="2000" b="1" u="sng" dirty="0">
-              <a:solidFill>
-                <a:schemeClr val="accent5"/>
-              </a:solidFill>
-            </a:endParaRPr>
-          </a:p>
-          <a:p>
-            <a:pPr algn="ctr">
-              <a:defRPr/>
-            </a:pPr>
-            <a:endParaRPr lang="en-US" sz="800" dirty="0"/>
-          </a:p>
-          <a:p>
-            <a:pPr algn="ctr">
-              <a:defRPr/>
-            </a:pPr>
-            <a:r>
-              <a:rPr lang="en-US" dirty="0" smtClean="0"/>
-              <a:t>PDF, HTML, Word</a:t>
-            </a:r>
-            <a:endParaRPr lang="en-US" dirty="0"/>
-          </a:p>
-        </p:txBody>
-      </p:sp>
-      <p:sp>
-        <p:nvSpPr>
           <p:cNvPr id="30" name="Bent Arrow 29"/>
           <p:cNvSpPr/>
           <p:nvPr/>
         </p:nvSpPr>
         <p:spPr bwMode="auto">
-          <a:xfrm flipV="1">
-            <a:off x="4408540" y="4999574"/>
-            <a:ext cx="583497" cy="944025"/>
+          <a:xfrm rot="5400000">
+            <a:off x="6354273" y="4068581"/>
+            <a:ext cx="708882" cy="1609499"/>
           </a:xfrm>
           <a:prstGeom prst="bentArrow">
             <a:avLst/>
@@ -9846,63 +9722,6 @@
             <a:lin ang="18900000" scaled="1"/>
             <a:tileRect/>
           </a:gradFill>
-          <a:ln w="12700">
-            <a:solidFill>
-              <a:schemeClr val="tx1"/>
-            </a:solidFill>
-          </a:ln>
-        </p:spPr>
-        <p:style>
-          <a:lnRef idx="2">
-            <a:schemeClr val="accent1">
-              <a:shade val="50000"/>
-            </a:schemeClr>
-          </a:lnRef>
-          <a:fillRef idx="1">
-            <a:schemeClr val="accent1"/>
-          </a:fillRef>
-          <a:effectRef idx="0">
-            <a:schemeClr val="accent1"/>
-          </a:effectRef>
-          <a:fontRef idx="minor">
-            <a:schemeClr val="lt1"/>
-          </a:fontRef>
-        </p:style>
-        <p:txBody>
-          <a:bodyPr anchor="ctr"/>
-          <a:lstStyle/>
-          <a:p>
-            <a:pPr algn="ctr">
-              <a:defRPr/>
-            </a:pPr>
-            <a:endParaRPr lang="en-US">
-              <a:solidFill>
-                <a:schemeClr val="tx1"/>
-              </a:solidFill>
-            </a:endParaRPr>
-          </a:p>
-        </p:txBody>
-      </p:sp>
-      <p:sp>
-        <p:nvSpPr>
-          <p:cNvPr id="31" name="Bent Arrow 30"/>
-          <p:cNvSpPr/>
-          <p:nvPr/>
-        </p:nvSpPr>
-        <p:spPr bwMode="auto">
-          <a:xfrm rot="16200000" flipV="1">
-            <a:off x="7304707" y="5125303"/>
-            <a:ext cx="898222" cy="646763"/>
-          </a:xfrm>
-          <a:prstGeom prst="bentArrow">
-            <a:avLst/>
-          </a:prstGeom>
-          <a:solidFill>
-            <a:schemeClr val="accent2">
-              <a:lumMod val="40000"/>
-              <a:lumOff val="60000"/>
-            </a:schemeClr>
-          </a:solidFill>
           <a:ln w="12700">
             <a:solidFill>
               <a:schemeClr val="tx1"/>
@@ -10265,7 +10084,7 @@
                             </p:stCondLst>
                             <p:childTnLst>
                               <p:par>
-                                <p:cTn id="32" presetID="22" presetClass="entr" presetSubtype="1" fill="hold" grpId="0" nodeType="clickEffect">
+                                <p:cTn id="32" presetID="22" presetClass="entr" presetSubtype="8" fill="hold" grpId="0" nodeType="clickEffect">
                                   <p:stCondLst>
                                     <p:cond delay="0"/>
                                   </p:stCondLst>
@@ -10288,7 +10107,7 @@
                                         <p:strVal val="visible"/>
                                       </p:to>
                                     </p:set>
-                                    <p:animEffect transition="in" filter="wipe(up)">
+                                    <p:animEffect transition="in" filter="wipe(left)">
                                       <p:cBhvr>
                                         <p:cTn id="34" dur="500"/>
                                         <p:tgtEl>
@@ -10309,7 +10128,7 @@
                             </p:stCondLst>
                             <p:childTnLst>
                               <p:par>
-                                <p:cTn id="36" presetID="22" presetClass="entr" presetSubtype="8" fill="hold" grpId="0" nodeType="afterEffect">
+                                <p:cTn id="36" presetID="22" presetClass="entr" presetSubtype="1" fill="hold" grpId="0" nodeType="afterEffect">
                                   <p:stCondLst>
                                     <p:cond delay="0"/>
                                   </p:stCondLst>
@@ -10332,99 +10151,11 @@
                                         <p:strVal val="visible"/>
                                       </p:to>
                                     </p:set>
-                                    <p:animEffect transition="in" filter="wipe(left)">
+                                    <p:animEffect transition="in" filter="wipe(up)">
                                       <p:cBhvr>
                                         <p:cTn id="38" dur="500"/>
                                         <p:tgtEl>
                                           <p:spTgt spid="20"/>
-                                        </p:tgtEl>
-                                      </p:cBhvr>
-                                    </p:animEffect>
-                                  </p:childTnLst>
-                                </p:cTn>
-                              </p:par>
-                            </p:childTnLst>
-                          </p:cTn>
-                        </p:par>
-                        <p:par>
-                          <p:cTn id="39" fill="hold">
-                            <p:stCondLst>
-                              <p:cond delay="1000"/>
-                            </p:stCondLst>
-                            <p:childTnLst>
-                              <p:par>
-                                <p:cTn id="40" presetID="22" presetClass="entr" presetSubtype="4" fill="hold" grpId="0" nodeType="afterEffect">
-                                  <p:stCondLst>
-                                    <p:cond delay="0"/>
-                                  </p:stCondLst>
-                                  <p:childTnLst>
-                                    <p:set>
-                                      <p:cBhvr>
-                                        <p:cTn id="41" dur="1" fill="hold">
-                                          <p:stCondLst>
-                                            <p:cond delay="0"/>
-                                          </p:stCondLst>
-                                        </p:cTn>
-                                        <p:tgtEl>
-                                          <p:spTgt spid="31"/>
-                                        </p:tgtEl>
-                                        <p:attrNameLst>
-                                          <p:attrName>style.visibility</p:attrName>
-                                        </p:attrNameLst>
-                                      </p:cBhvr>
-                                      <p:to>
-                                        <p:strVal val="visible"/>
-                                      </p:to>
-                                    </p:set>
-                                    <p:animEffect transition="in" filter="wipe(down)">
-                                      <p:cBhvr>
-                                        <p:cTn id="42" dur="500"/>
-                                        <p:tgtEl>
-                                          <p:spTgt spid="31"/>
-                                        </p:tgtEl>
-                                      </p:cBhvr>
-                                    </p:animEffect>
-                                  </p:childTnLst>
-                                </p:cTn>
-                              </p:par>
-                            </p:childTnLst>
-                          </p:cTn>
-                        </p:par>
-                        <p:par>
-                          <p:cTn id="43" fill="hold">
-                            <p:stCondLst>
-                              <p:cond delay="1500"/>
-                            </p:stCondLst>
-                            <p:childTnLst>
-                              <p:par>
-                                <p:cTn id="44" presetID="22" presetClass="entr" presetSubtype="4" fill="hold" grpId="0" nodeType="afterEffect">
-                                  <p:stCondLst>
-                                    <p:cond delay="0"/>
-                                  </p:stCondLst>
-                                  <p:childTnLst>
-                                    <p:set>
-                                      <p:cBhvr>
-                                        <p:cTn id="45" dur="1" fill="hold">
-                                          <p:stCondLst>
-                                            <p:cond delay="0"/>
-                                          </p:stCondLst>
-                                        </p:cTn>
-                                        <p:tgtEl>
-                                          <p:spTgt spid="24"/>
-                                        </p:tgtEl>
-                                        <p:attrNameLst>
-                                          <p:attrName>style.visibility</p:attrName>
-                                        </p:attrNameLst>
-                                      </p:cBhvr>
-                                      <p:to>
-                                        <p:strVal val="visible"/>
-                                      </p:to>
-                                    </p:set>
-                                    <p:animEffect transition="in" filter="wipe(down)">
-                                      <p:cBhvr>
-                                        <p:cTn id="46" dur="500"/>
-                                        <p:tgtEl>
-                                          <p:spTgt spid="24"/>
                                         </p:tgtEl>
                                       </p:cBhvr>
                                     </p:animEffect>
@@ -10466,9 +10197,7 @@
       <p:bldP spid="10" grpId="0" animBg="1"/>
       <p:bldP spid="14" grpId="0" animBg="1"/>
       <p:bldP spid="20" grpId="0" animBg="1"/>
-      <p:bldP spid="24" grpId="0" animBg="1"/>
       <p:bldP spid="30" grpId="0" animBg="1"/>
-      <p:bldP spid="31" grpId="0" animBg="1"/>
     </p:bldLst>
   </p:timing>
 </p:sld>
@@ -10542,11 +10271,7 @@
             </a:r>
             <a:r>
               <a:rPr lang="en-US" dirty="0" smtClean="0"/>
-              <a:t>: </a:t>
-            </a:r>
-            <a:r>
-              <a:rPr lang="en-US" dirty="0" smtClean="0"/>
-              <a:t>Workflow Environment</a:t>
+              <a:t>: Workflow Environment</a:t>
             </a:r>
           </a:p>
         </p:txBody>
@@ -10746,11 +10471,7 @@
             </a:pPr>
             <a:r>
               <a:rPr lang="en-US" dirty="0" smtClean="0"/>
-              <a:t>See non-graphical results</a:t>
-            </a:r>
-            <a:r>
-              <a:rPr lang="en-US" dirty="0" smtClean="0"/>
-              <a:t>.</a:t>
+              <a:t>See non-graphical results.</a:t>
             </a:r>
             <a:endParaRPr lang="en-US" dirty="0"/>
           </a:p>
@@ -11067,8 +10788,17 @@
             <a:pPr lvl="1"/>
             <a:r>
               <a:rPr lang="en-US" dirty="0" smtClean="0"/>
-              <a:t>Crib code from analysis to analysis</a:t>
-            </a:r>
+              <a:t>Crib code </a:t>
+            </a:r>
+            <a:r>
+              <a:rPr lang="en-US" smtClean="0"/>
+              <a:t>between</a:t>
+            </a:r>
+            <a:r>
+              <a:rPr lang="en-US" smtClean="0"/>
+              <a:t> analyses</a:t>
+            </a:r>
+            <a:endParaRPr lang="en-US" dirty="0" smtClean="0"/>
           </a:p>
           <a:p>
             <a:pPr lvl="1"/>
